--- a/Presentation/Detalus vaizdų panašumas naudojant trejetų tinklus.pptx
+++ b/Presentation/Detalus vaizdų panašumas naudojant trejetų tinklus.pptx
@@ -248,6 +248,11 @@
       </a:defRPr>
     </a:lvl9pPr>
   </p:defaultTextStyle>
+  <p:extLst>
+    <p:ext uri="{EFAFB233-063F-42B5-8137-9DF3F51BA10A}">
+      <p15:sldGuideLst xmlns:p15="http://schemas.microsoft.com/office/powerpoint/2012/main"/>
+    </p:ext>
+  </p:extLst>
 </p:presentation>
 </file>
 
@@ -24478,12 +24483,8 @@
               <a:t> </a:t>
             </a:r>
             <a:r>
-              <a:rPr lang="en-US" sz="2800" dirty="0" err="1"/>
-              <a:t>kiti</a:t>
-            </a:r>
-            <a:r>
               <a:rPr lang="lt-LT" sz="2800" dirty="0"/>
-              <a:t> geriausi</a:t>
+              <a:t>geriausi</a:t>
             </a:r>
             <a:r>
               <a:rPr lang="en-US" sz="2800" dirty="0"/>
@@ -24783,7 +24784,7 @@
         </p:nvSpPr>
         <p:spPr>
           <a:xfrm>
-            <a:off x="1178560" y="2560955"/>
+            <a:off x="1036955" y="2156460"/>
             <a:ext cx="10118089" cy="3148965"/>
           </a:xfrm>
         </p:spPr>
@@ -24799,15 +24800,7 @@
             </a:pPr>
             <a:r>
               <a:rPr lang="lt-LT" sz="2800" dirty="0"/>
-              <a:t>Pasiūlyti pasirinktą trejetų tinklų modelį bei atpažinti vaizdų panašumus iš pasirinkto </a:t>
-            </a:r>
-            <a:r>
-              <a:rPr lang="lt-LT" sz="2800" dirty="0" err="1"/>
-              <a:t>duomenųrinkinio</a:t>
-            </a:r>
-            <a:r>
-              <a:rPr lang="lt-LT" sz="2800" dirty="0"/>
-              <a:t>.</a:t>
+              <a:t>Pasiūlyti pasirinktą trejetų tinklų modelį bei atpažinti vaizdų panašumus iš pasirinkto duomenų rinkinio.</a:t>
             </a:r>
           </a:p>
           <a:p>
@@ -24817,7 +24810,7 @@
             </a:pPr>
             <a:r>
               <a:rPr lang="lt-LT" sz="2800" dirty="0"/>
-              <a:t>Išskirti metrikas pagal kurias galėtų analizuoti gautus rezultatus, panaudojant trejetų.</a:t>
+              <a:t>Išskirti metrikas pagal kurias galėtų analizuoti gautus rezultatus, panaudojant trejetų tinklus.</a:t>
             </a:r>
           </a:p>
           <a:p>
@@ -24827,7 +24820,7 @@
             </a:pPr>
             <a:r>
               <a:rPr lang="lt-LT" sz="2800" dirty="0"/>
-              <a:t>Išskirtipasirinktotyrimorezultatųtrūkumusirišsiaiškintigalimassritisateitiesdarbams. tinklų modelį.</a:t>
+              <a:t>Išskirti pasirinkto tyrimo rezultatų trūkumus ir išsiaiškinti galimas sritis ateities darbams.</a:t>
             </a:r>
             <a:endParaRPr lang="en-US" sz="2800" dirty="0"/>
           </a:p>
@@ -24956,7 +24949,7 @@
             </a:pPr>
             <a:r>
               <a:rPr lang="lt-LT" sz="3400" dirty="0"/>
-              <a:t>Veido, silueto atpažinimu.</a:t>
+              <a:t>Veido, silueto atpažinimui.</a:t>
             </a:r>
             <a:endParaRPr lang="en-US" sz="3400" dirty="0"/>
           </a:p>
@@ -25073,15 +25066,7 @@
             </a:pPr>
             <a:r>
               <a:rPr lang="lt-LT" sz="2800" dirty="0"/>
-              <a:t>Įvestyje – trys elementai. Pagrindinis elementas, kuris yra lyginamas. Teigiamas – panašus elementas į pagrindinį. Neigiamas – </a:t>
-            </a:r>
-            <a:r>
-              <a:rPr lang="lt-LT" sz="2800" dirty="0" err="1"/>
-              <a:t>lygininamas</a:t>
-            </a:r>
-            <a:r>
-              <a:rPr lang="lt-LT" sz="2800" dirty="0"/>
-              <a:t> elementas kuris nėra panašus į pagrindinį elementą.</a:t>
+              <a:t>Įvestyje – trys elementai. Pagrindinis elementas, kuris yra lyginamas. Teigiamas – panašus elementas į pagrindinį. Neigiamas – lyginamas elementas kuris nėra panašus į pagrindinį elementą.</a:t>
             </a:r>
           </a:p>
         </p:txBody>
@@ -25376,7 +25361,7 @@
             </a:r>
             <a:r>
               <a:rPr lang="lt-LT" sz="2800" dirty="0"/>
-              <a:t> GTX 960m 4GB vaizdo plokštę. Naudojant CUDA </a:t>
+              <a:t> GTX 960m 4GB vaizdo plokštę, CUDA </a:t>
             </a:r>
             <a:r>
               <a:rPr lang="lt-LT" sz="2800" dirty="0" err="1"/>
@@ -25549,7 +25534,7 @@
         </p:blipFill>
         <p:spPr>
           <a:xfrm>
-            <a:off x="7857858" y="3256086"/>
+            <a:off x="8332643" y="3289911"/>
             <a:ext cx="707597" cy="1886925"/>
           </a:xfrm>
         </p:spPr>
@@ -25624,7 +25609,7 @@
         </p:blipFill>
         <p:spPr>
           <a:xfrm>
-            <a:off x="8713033" y="3289912"/>
+            <a:off x="9214195" y="3289913"/>
             <a:ext cx="707597" cy="1886923"/>
           </a:xfrm>
         </p:spPr>
@@ -25808,7 +25793,7 @@
         </p:blipFill>
         <p:spPr>
           <a:xfrm>
-            <a:off x="1769451" y="4487130"/>
+            <a:off x="6262320" y="4391880"/>
             <a:ext cx="3856203" cy="2048608"/>
           </a:xfrm>
           <a:prstGeom prst="rect">

--- a/Presentation/Detalus vaizdų panašumas naudojant trejetų tinklus.pptx
+++ b/Presentation/Detalus vaizdų panašumas naudojant trejetų tinklus.pptx
@@ -8,14 +8,16 @@
   <p:sldIdLst>
     <p:sldId id="256" r:id="rId3"/>
     <p:sldId id="257" r:id="rId4"/>
-    <p:sldId id="265" r:id="rId5"/>
-    <p:sldId id="258" r:id="rId6"/>
-    <p:sldId id="259" r:id="rId7"/>
-    <p:sldId id="260" r:id="rId8"/>
-    <p:sldId id="261" r:id="rId9"/>
-    <p:sldId id="262" r:id="rId10"/>
-    <p:sldId id="263" r:id="rId11"/>
-    <p:sldId id="264" r:id="rId12"/>
+    <p:sldId id="266" r:id="rId5"/>
+    <p:sldId id="265" r:id="rId6"/>
+    <p:sldId id="258" r:id="rId7"/>
+    <p:sldId id="259" r:id="rId8"/>
+    <p:sldId id="260" r:id="rId9"/>
+    <p:sldId id="267" r:id="rId10"/>
+    <p:sldId id="261" r:id="rId11"/>
+    <p:sldId id="262" r:id="rId12"/>
+    <p:sldId id="263" r:id="rId13"/>
+    <p:sldId id="264" r:id="rId14"/>
   </p:sldIdLst>
   <p:sldSz cx="12192000" cy="6858000"/>
   <p:notesSz cx="6858000" cy="9144000"/>
@@ -7580,7 +7582,7 @@
           <a:p>
             <a:fld id="{062DAAF0-37C3-4118-BE27-226A6950D354}" type="datetimeFigureOut">
               <a:rPr lang="en-US" smtClean="0"/>
-              <a:t>2/16/2020</a:t>
+              <a:t>2/17/2020</a:t>
             </a:fld>
             <a:endParaRPr lang="en-US"/>
           </a:p>
@@ -7778,7 +7780,7 @@
           <a:p>
             <a:fld id="{062DAAF0-37C3-4118-BE27-226A6950D354}" type="datetimeFigureOut">
               <a:rPr lang="en-US" smtClean="0"/>
-              <a:t>2/16/2020</a:t>
+              <a:t>2/17/2020</a:t>
             </a:fld>
             <a:endParaRPr lang="en-US"/>
           </a:p>
@@ -8190,7 +8192,7 @@
           <a:p>
             <a:fld id="{062DAAF0-37C3-4118-BE27-226A6950D354}" type="datetimeFigureOut">
               <a:rPr lang="en-US" smtClean="0"/>
-              <a:t>2/16/2020</a:t>
+              <a:t>2/17/2020</a:t>
             </a:fld>
             <a:endParaRPr lang="en-US"/>
           </a:p>
@@ -24386,6 +24388,402 @@
           <p:cNvPr id="2" name="Title 1">
             <a:extLst>
               <a:ext uri="{FF2B5EF4-FFF2-40B4-BE49-F238E27FC236}">
+                <a16:creationId xmlns:a16="http://schemas.microsoft.com/office/drawing/2014/main" id="{F635F4BB-CB72-4415-AA37-890A9BDA9488}"/>
+              </a:ext>
+            </a:extLst>
+          </p:cNvPr>
+          <p:cNvSpPr>
+            <a:spLocks noGrp="1"/>
+          </p:cNvSpPr>
+          <p:nvPr>
+            <p:ph type="title"/>
+          </p:nvPr>
+        </p:nvSpPr>
+        <p:spPr/>
+        <p:txBody>
+          <a:bodyPr/>
+          <a:lstStyle/>
+          <a:p>
+            <a:r>
+              <a:rPr lang="lt-LT" dirty="0"/>
+              <a:t>Žmonių siluetų atpažinimas</a:t>
+            </a:r>
+            <a:endParaRPr lang="en-US" dirty="0"/>
+          </a:p>
+        </p:txBody>
+      </p:sp>
+      <p:sp>
+        <p:nvSpPr>
+          <p:cNvPr id="3" name="Text Placeholder 2">
+            <a:extLst>
+              <a:ext uri="{FF2B5EF4-FFF2-40B4-BE49-F238E27FC236}">
+                <a16:creationId xmlns:a16="http://schemas.microsoft.com/office/drawing/2014/main" id="{5C34A6FC-3127-41D7-950A-95CC78C28B0E}"/>
+              </a:ext>
+            </a:extLst>
+          </p:cNvPr>
+          <p:cNvSpPr>
+            <a:spLocks noGrp="1"/>
+          </p:cNvSpPr>
+          <p:nvPr>
+            <p:ph type="body" idx="1"/>
+          </p:nvPr>
+        </p:nvSpPr>
+        <p:spPr>
+          <a:xfrm>
+            <a:off x="839788" y="2011489"/>
+            <a:ext cx="5157787" cy="823912"/>
+          </a:xfrm>
+        </p:spPr>
+        <p:txBody>
+          <a:bodyPr>
+            <a:noAutofit/>
+          </a:bodyPr>
+          <a:lstStyle/>
+          <a:p>
+            <a:pPr marL="342900" indent="-342900">
+              <a:buFont typeface="Arial" panose="020B0604020202020204" pitchFamily="34" charset="0"/>
+              <a:buChar char="•"/>
+            </a:pPr>
+            <a:r>
+              <a:rPr lang="lt-LT" dirty="0"/>
+              <a:t>Pavyzdinės įvestys su kuriomis modelis prognozavo neteisingai.</a:t>
+            </a:r>
+            <a:endParaRPr lang="en-US" dirty="0"/>
+          </a:p>
+        </p:txBody>
+      </p:sp>
+      <p:pic>
+        <p:nvPicPr>
+          <p:cNvPr id="8" name="Content Placeholder 7">
+            <a:extLst>
+              <a:ext uri="{FF2B5EF4-FFF2-40B4-BE49-F238E27FC236}">
+                <a16:creationId xmlns:a16="http://schemas.microsoft.com/office/drawing/2014/main" id="{F7E8B37C-196F-4951-B97E-C95624AF2CFB}"/>
+              </a:ext>
+            </a:extLst>
+          </p:cNvPr>
+          <p:cNvPicPr>
+            <a:picLocks noGrp="1" noChangeAspect="1"/>
+          </p:cNvPicPr>
+          <p:nvPr>
+            <p:ph sz="half" idx="2"/>
+          </p:nvPr>
+        </p:nvPicPr>
+        <p:blipFill>
+          <a:blip r:embed="rId2">
+            <a:extLst>
+              <a:ext uri="{28A0092B-C50C-407E-A947-70E740481C1C}">
+                <a14:useLocalDpi xmlns:a14="http://schemas.microsoft.com/office/drawing/2010/main" val="0"/>
+              </a:ext>
+            </a:extLst>
+          </a:blip>
+          <a:stretch>
+            <a:fillRect/>
+          </a:stretch>
+        </p:blipFill>
+        <p:spPr>
+          <a:xfrm>
+            <a:off x="8332643" y="3289911"/>
+            <a:ext cx="707597" cy="1886925"/>
+          </a:xfrm>
+        </p:spPr>
+      </p:pic>
+      <p:sp>
+        <p:nvSpPr>
+          <p:cNvPr id="5" name="Text Placeholder 4">
+            <a:extLst>
+              <a:ext uri="{FF2B5EF4-FFF2-40B4-BE49-F238E27FC236}">
+                <a16:creationId xmlns:a16="http://schemas.microsoft.com/office/drawing/2014/main" id="{4718FA64-AC18-4FD0-8CBE-2BA140125D66}"/>
+              </a:ext>
+            </a:extLst>
+          </p:cNvPr>
+          <p:cNvSpPr>
+            <a:spLocks noGrp="1"/>
+          </p:cNvSpPr>
+          <p:nvPr>
+            <p:ph type="body" sz="quarter" idx="3"/>
+          </p:nvPr>
+        </p:nvSpPr>
+        <p:spPr>
+          <a:xfrm>
+            <a:off x="5997575" y="2011489"/>
+            <a:ext cx="5937250" cy="823912"/>
+          </a:xfrm>
+        </p:spPr>
+        <p:txBody>
+          <a:bodyPr>
+            <a:noAutofit/>
+          </a:bodyPr>
+          <a:lstStyle/>
+          <a:p>
+            <a:pPr marL="342900" indent="-342900">
+              <a:buFont typeface="Arial" panose="020B0604020202020204" pitchFamily="34" charset="0"/>
+              <a:buChar char="•"/>
+            </a:pPr>
+            <a:r>
+              <a:rPr lang="lt-LT" dirty="0"/>
+              <a:t>Pavyzdinė įvestis su kuria modelis prognozavo teisingus palyginimo rezultatus.</a:t>
+            </a:r>
+            <a:endParaRPr lang="en-US" dirty="0"/>
+          </a:p>
+        </p:txBody>
+      </p:sp>
+      <p:pic>
+        <p:nvPicPr>
+          <p:cNvPr id="10" name="Content Placeholder 9">
+            <a:extLst>
+              <a:ext uri="{FF2B5EF4-FFF2-40B4-BE49-F238E27FC236}">
+                <a16:creationId xmlns:a16="http://schemas.microsoft.com/office/drawing/2014/main" id="{01417455-97A1-4C00-9916-EE5FCD98111A}"/>
+              </a:ext>
+            </a:extLst>
+          </p:cNvPr>
+          <p:cNvPicPr>
+            <a:picLocks noGrp="1" noChangeAspect="1"/>
+          </p:cNvPicPr>
+          <p:nvPr>
+            <p:ph sz="quarter" idx="4"/>
+          </p:nvPr>
+        </p:nvPicPr>
+        <p:blipFill>
+          <a:blip r:embed="rId3">
+            <a:extLst>
+              <a:ext uri="{28A0092B-C50C-407E-A947-70E740481C1C}">
+                <a14:useLocalDpi xmlns:a14="http://schemas.microsoft.com/office/drawing/2010/main" val="0"/>
+              </a:ext>
+            </a:extLst>
+          </a:blip>
+          <a:stretch>
+            <a:fillRect/>
+          </a:stretch>
+        </p:blipFill>
+        <p:spPr>
+          <a:xfrm>
+            <a:off x="9214195" y="3289913"/>
+            <a:ext cx="707597" cy="1886923"/>
+          </a:xfrm>
+        </p:spPr>
+      </p:pic>
+      <p:pic>
+        <p:nvPicPr>
+          <p:cNvPr id="12" name="Picture 11">
+            <a:extLst>
+              <a:ext uri="{FF2B5EF4-FFF2-40B4-BE49-F238E27FC236}">
+                <a16:creationId xmlns:a16="http://schemas.microsoft.com/office/drawing/2014/main" id="{DA9131C2-5396-4E3F-B4D5-62DCD7EC9AC6}"/>
+              </a:ext>
+            </a:extLst>
+          </p:cNvPr>
+          <p:cNvPicPr>
+            <a:picLocks noChangeAspect="1"/>
+          </p:cNvPicPr>
+          <p:nvPr/>
+        </p:nvPicPr>
+        <p:blipFill>
+          <a:blip r:embed="rId4">
+            <a:extLst>
+              <a:ext uri="{28A0092B-C50C-407E-A947-70E740481C1C}">
+                <a14:useLocalDpi xmlns:a14="http://schemas.microsoft.com/office/drawing/2010/main" val="0"/>
+              </a:ext>
+            </a:extLst>
+          </a:blip>
+          <a:stretch>
+            <a:fillRect/>
+          </a:stretch>
+        </p:blipFill>
+        <p:spPr>
+          <a:xfrm>
+            <a:off x="1409000" y="3289912"/>
+            <a:ext cx="3587486" cy="1886925"/>
+          </a:xfrm>
+          <a:prstGeom prst="rect">
+            <a:avLst/>
+          </a:prstGeom>
+        </p:spPr>
+      </p:pic>
+    </p:spTree>
+    <p:extLst>
+      <p:ext uri="{BB962C8B-B14F-4D97-AF65-F5344CB8AC3E}">
+        <p14:creationId xmlns:p14="http://schemas.microsoft.com/office/powerpoint/2010/main" val="1113990074"/>
+      </p:ext>
+    </p:extLst>
+  </p:cSld>
+  <p:clrMapOvr>
+    <a:masterClrMapping/>
+  </p:clrMapOvr>
+</p:sld>
+</file>
+
+<file path=ppt/slides/slide11.xml><?xml version="1.0" encoding="utf-8"?>
+<p:sld xmlns:a="http://schemas.openxmlformats.org/drawingml/2006/main" xmlns:r="http://schemas.openxmlformats.org/officeDocument/2006/relationships" xmlns:p="http://schemas.openxmlformats.org/presentationml/2006/main">
+  <p:cSld>
+    <p:spTree>
+      <p:nvGrpSpPr>
+        <p:cNvPr id="1" name=""/>
+        <p:cNvGrpSpPr/>
+        <p:nvPr/>
+      </p:nvGrpSpPr>
+      <p:grpSpPr>
+        <a:xfrm>
+          <a:off x="0" y="0"/>
+          <a:ext cx="0" cy="0"/>
+          <a:chOff x="0" y="0"/>
+          <a:chExt cx="0" cy="0"/>
+        </a:xfrm>
+      </p:grpSpPr>
+      <p:sp>
+        <p:nvSpPr>
+          <p:cNvPr id="2" name="Title 1">
+            <a:extLst>
+              <a:ext uri="{FF2B5EF4-FFF2-40B4-BE49-F238E27FC236}">
+                <a16:creationId xmlns:a16="http://schemas.microsoft.com/office/drawing/2014/main" id="{89C4E048-6A3C-408B-9C50-26BF09A962C4}"/>
+              </a:ext>
+            </a:extLst>
+          </p:cNvPr>
+          <p:cNvSpPr>
+            <a:spLocks noGrp="1"/>
+          </p:cNvSpPr>
+          <p:nvPr>
+            <p:ph type="title"/>
+          </p:nvPr>
+        </p:nvSpPr>
+        <p:spPr/>
+        <p:txBody>
+          <a:bodyPr/>
+          <a:lstStyle/>
+          <a:p>
+            <a:r>
+              <a:rPr lang="lt-LT" dirty="0"/>
+              <a:t>Palyginimo rezultatai</a:t>
+            </a:r>
+            <a:endParaRPr lang="en-US" dirty="0"/>
+          </a:p>
+        </p:txBody>
+      </p:sp>
+      <p:sp>
+        <p:nvSpPr>
+          <p:cNvPr id="3" name="Content Placeholder 2">
+            <a:extLst>
+              <a:ext uri="{FF2B5EF4-FFF2-40B4-BE49-F238E27FC236}">
+                <a16:creationId xmlns:a16="http://schemas.microsoft.com/office/drawing/2014/main" id="{5AC423E3-5A74-4336-BCDF-F0E8EAAA23A5}"/>
+              </a:ext>
+            </a:extLst>
+          </p:cNvPr>
+          <p:cNvSpPr>
+            <a:spLocks noGrp="1"/>
+          </p:cNvSpPr>
+          <p:nvPr>
+            <p:ph idx="1"/>
+          </p:nvPr>
+        </p:nvSpPr>
+        <p:spPr>
+          <a:xfrm>
+            <a:off x="1178560" y="2061210"/>
+            <a:ext cx="9946639" cy="3148965"/>
+          </a:xfrm>
+        </p:spPr>
+        <p:txBody>
+          <a:bodyPr/>
+          <a:lstStyle/>
+          <a:p>
+            <a:pPr marL="571500" indent="-342900">
+              <a:buFont typeface="Arial" panose="020B0604020202020204" pitchFamily="34" charset="0"/>
+              <a:buChar char="•"/>
+            </a:pPr>
+            <a:r>
+              <a:rPr lang="lt-LT" sz="3400" dirty="0"/>
+              <a:t>Pasirinktas modelis demonstravo 85.7</a:t>
+            </a:r>
+            <a:r>
+              <a:rPr lang="en-US" sz="3400" dirty="0"/>
+              <a:t>% </a:t>
+            </a:r>
+            <a:r>
+              <a:rPr lang="en-US" sz="3400" dirty="0" err="1"/>
+              <a:t>atpa</a:t>
+            </a:r>
+            <a:r>
+              <a:rPr lang="lt-LT" sz="3400" dirty="0"/>
+              <a:t>žinimo tikslumo su duomenų rinkiniu – CUHK01.</a:t>
+            </a:r>
+          </a:p>
+          <a:p>
+            <a:pPr marL="571500" indent="-342900">
+              <a:buFont typeface="Arial" panose="020B0604020202020204" pitchFamily="34" charset="0"/>
+              <a:buChar char="•"/>
+            </a:pPr>
+            <a:r>
+              <a:rPr lang="lt-LT" sz="3400" dirty="0"/>
+              <a:t>Rezultatai naudojant kitus tinklų modelius.</a:t>
+            </a:r>
+          </a:p>
+          <a:p>
+            <a:endParaRPr lang="en-US" dirty="0"/>
+          </a:p>
+        </p:txBody>
+      </p:sp>
+      <p:pic>
+        <p:nvPicPr>
+          <p:cNvPr id="5" name="Picture 4">
+            <a:extLst>
+              <a:ext uri="{FF2B5EF4-FFF2-40B4-BE49-F238E27FC236}">
+                <a16:creationId xmlns:a16="http://schemas.microsoft.com/office/drawing/2014/main" id="{DDD46098-AEF4-4351-98AD-73955263EC33}"/>
+              </a:ext>
+            </a:extLst>
+          </p:cNvPr>
+          <p:cNvPicPr>
+            <a:picLocks noChangeAspect="1"/>
+          </p:cNvPicPr>
+          <p:nvPr/>
+        </p:nvPicPr>
+        <p:blipFill>
+          <a:blip r:embed="rId2"/>
+          <a:stretch>
+            <a:fillRect/>
+          </a:stretch>
+        </p:blipFill>
+        <p:spPr>
+          <a:xfrm>
+            <a:off x="6262320" y="4391880"/>
+            <a:ext cx="3856203" cy="2048608"/>
+          </a:xfrm>
+          <a:prstGeom prst="rect">
+            <a:avLst/>
+          </a:prstGeom>
+        </p:spPr>
+      </p:pic>
+    </p:spTree>
+    <p:extLst>
+      <p:ext uri="{BB962C8B-B14F-4D97-AF65-F5344CB8AC3E}">
+        <p14:creationId xmlns:p14="http://schemas.microsoft.com/office/powerpoint/2010/main" val="2358960184"/>
+      </p:ext>
+    </p:extLst>
+  </p:cSld>
+  <p:clrMapOvr>
+    <a:masterClrMapping/>
+  </p:clrMapOvr>
+</p:sld>
+</file>
+
+<file path=ppt/slides/slide12.xml><?xml version="1.0" encoding="utf-8"?>
+<p:sld xmlns:a="http://schemas.openxmlformats.org/drawingml/2006/main" xmlns:r="http://schemas.openxmlformats.org/officeDocument/2006/relationships" xmlns:p="http://schemas.openxmlformats.org/presentationml/2006/main">
+  <p:cSld>
+    <p:spTree>
+      <p:nvGrpSpPr>
+        <p:cNvPr id="1" name=""/>
+        <p:cNvGrpSpPr/>
+        <p:nvPr/>
+      </p:nvGrpSpPr>
+      <p:grpSpPr>
+        <a:xfrm>
+          <a:off x="0" y="0"/>
+          <a:ext cx="0" cy="0"/>
+          <a:chOff x="0" y="0"/>
+          <a:chExt cx="0" cy="0"/>
+        </a:xfrm>
+      </p:grpSpPr>
+      <p:sp>
+        <p:nvSpPr>
+          <p:cNvPr id="2" name="Title 1">
+            <a:extLst>
+              <a:ext uri="{FF2B5EF4-FFF2-40B4-BE49-F238E27FC236}">
                 <a16:creationId xmlns:a16="http://schemas.microsoft.com/office/drawing/2014/main" id="{943AC0FB-4B62-4407-A514-49F63EA11F26}"/>
               </a:ext>
             </a:extLst>
@@ -24635,7 +25033,7 @@
         </p:spPr>
         <p:txBody>
           <a:bodyPr>
-            <a:normAutofit fontScale="92500" lnSpcReduction="10000"/>
+            <a:normAutofit fontScale="70000" lnSpcReduction="20000"/>
           </a:bodyPr>
           <a:lstStyle/>
           <a:p>
@@ -24644,9 +25042,25 @@
               <a:buChar char="•"/>
             </a:pPr>
             <a:r>
-              <a:rPr lang="lt-LT" sz="3200" dirty="0"/>
-              <a:t>Užduotys</a:t>
+              <a:rPr lang="en-US" sz="3200" dirty="0" err="1"/>
+              <a:t>Tikslas</a:t>
             </a:r>
+            <a:endParaRPr lang="en-US" sz="3200" dirty="0"/>
+          </a:p>
+          <a:p>
+            <a:pPr marL="685800" indent="-457200">
+              <a:buFont typeface="Arial" panose="020B0604020202020204" pitchFamily="34" charset="0"/>
+              <a:buChar char="•"/>
+            </a:pPr>
+            <a:r>
+              <a:rPr lang="lt-LT" sz="3200" dirty="0" err="1"/>
+              <a:t>Užd</a:t>
+            </a:r>
+            <a:r>
+              <a:rPr lang="en-US" sz="3200" dirty="0" err="1"/>
+              <a:t>aviniai</a:t>
+            </a:r>
+            <a:endParaRPr lang="lt-LT" sz="3200" dirty="0"/>
           </a:p>
           <a:p>
             <a:pPr marL="685800" indent="-457200">
@@ -24677,6 +25091,18 @@
               <a:rPr lang="lt-LT" sz="3200" dirty="0"/>
               <a:t>Nuostolių funkcija</a:t>
             </a:r>
+            <a:endParaRPr lang="en-US" sz="3200" dirty="0"/>
+          </a:p>
+          <a:p>
+            <a:pPr marL="685800" indent="-457200">
+              <a:buFont typeface="Arial" panose="020B0604020202020204" pitchFamily="34" charset="0"/>
+              <a:buChar char="•"/>
+            </a:pPr>
+            <a:r>
+              <a:rPr lang="en-US" sz="3200" dirty="0" err="1"/>
+              <a:t>Metrikos</a:t>
+            </a:r>
+            <a:endParaRPr lang="lt-LT" sz="3200" dirty="0"/>
           </a:p>
           <a:p>
             <a:pPr marL="685800" indent="-457200">
@@ -24721,6 +25147,105 @@
 </file>
 
 <file path=ppt/slides/slide3.xml><?xml version="1.0" encoding="utf-8"?>
+<p:sld xmlns:a="http://schemas.openxmlformats.org/drawingml/2006/main" xmlns:r="http://schemas.openxmlformats.org/officeDocument/2006/relationships" xmlns:p="http://schemas.openxmlformats.org/presentationml/2006/main">
+  <p:cSld>
+    <p:spTree>
+      <p:nvGrpSpPr>
+        <p:cNvPr id="1" name=""/>
+        <p:cNvGrpSpPr/>
+        <p:nvPr/>
+      </p:nvGrpSpPr>
+      <p:grpSpPr>
+        <a:xfrm>
+          <a:off x="0" y="0"/>
+          <a:ext cx="0" cy="0"/>
+          <a:chOff x="0" y="0"/>
+          <a:chExt cx="0" cy="0"/>
+        </a:xfrm>
+      </p:grpSpPr>
+      <p:sp>
+        <p:nvSpPr>
+          <p:cNvPr id="2" name="Title 1">
+            <a:extLst>
+              <a:ext uri="{FF2B5EF4-FFF2-40B4-BE49-F238E27FC236}">
+                <a16:creationId xmlns:a16="http://schemas.microsoft.com/office/drawing/2014/main" id="{DC00BD86-BABD-43F0-B9D8-59F6327F54D7}"/>
+              </a:ext>
+            </a:extLst>
+          </p:cNvPr>
+          <p:cNvSpPr>
+            <a:spLocks noGrp="1"/>
+          </p:cNvSpPr>
+          <p:nvPr>
+            <p:ph type="title"/>
+          </p:nvPr>
+        </p:nvSpPr>
+        <p:spPr/>
+        <p:txBody>
+          <a:bodyPr/>
+          <a:lstStyle/>
+          <a:p>
+            <a:r>
+              <a:rPr lang="en-US" dirty="0" err="1"/>
+              <a:t>Tikslas</a:t>
+            </a:r>
+            <a:endParaRPr lang="en-US" dirty="0"/>
+          </a:p>
+        </p:txBody>
+      </p:sp>
+      <p:sp>
+        <p:nvSpPr>
+          <p:cNvPr id="3" name="Content Placeholder 2">
+            <a:extLst>
+              <a:ext uri="{FF2B5EF4-FFF2-40B4-BE49-F238E27FC236}">
+                <a16:creationId xmlns:a16="http://schemas.microsoft.com/office/drawing/2014/main" id="{21E87DE1-679B-4CBA-850E-13EF90A2C074}"/>
+              </a:ext>
+            </a:extLst>
+          </p:cNvPr>
+          <p:cNvSpPr>
+            <a:spLocks noGrp="1"/>
+          </p:cNvSpPr>
+          <p:nvPr>
+            <p:ph idx="1"/>
+          </p:nvPr>
+        </p:nvSpPr>
+        <p:spPr>
+          <a:xfrm>
+            <a:off x="834012" y="2059913"/>
+            <a:ext cx="10309609" cy="3650008"/>
+          </a:xfrm>
+        </p:spPr>
+        <p:txBody>
+          <a:bodyPr>
+            <a:normAutofit/>
+          </a:bodyPr>
+          <a:lstStyle/>
+          <a:p>
+            <a:pPr marL="571500" indent="-342900">
+              <a:buFont typeface="Arial" panose="020B0604020202020204" pitchFamily="34" charset="0"/>
+              <a:buChar char="•"/>
+            </a:pPr>
+            <a:r>
+              <a:rPr lang="lt-LT" sz="2800" dirty="0"/>
+              <a:t>Šio darbo tikslas yra pasiūlyti pasirinktą trejetų tinklų modelį, kuris sugebėtų atpažinti žmonių siluetus, ir išskiriant metrikas, palyginti su kitais rinkoje esančiais neuroninių tinklų modeliais.</a:t>
+            </a:r>
+            <a:endParaRPr lang="en-US" sz="2800" dirty="0"/>
+          </a:p>
+        </p:txBody>
+      </p:sp>
+    </p:spTree>
+    <p:extLst>
+      <p:ext uri="{BB962C8B-B14F-4D97-AF65-F5344CB8AC3E}">
+        <p14:creationId xmlns:p14="http://schemas.microsoft.com/office/powerpoint/2010/main" val="3145572343"/>
+      </p:ext>
+    </p:extLst>
+  </p:cSld>
+  <p:clrMapOvr>
+    <a:masterClrMapping/>
+  </p:clrMapOvr>
+</p:sld>
+</file>
+
+<file path=ppt/slides/slide4.xml><?xml version="1.0" encoding="utf-8"?>
 <p:sld xmlns:a="http://schemas.openxmlformats.org/drawingml/2006/main" xmlns:r="http://schemas.openxmlformats.org/officeDocument/2006/relationships" xmlns:p="http://schemas.openxmlformats.org/presentationml/2006/main">
   <p:cSld>
     <p:spTree>
@@ -24839,7 +25364,7 @@
 </p:sld>
 </file>
 
-<file path=ppt/slides/slide4.xml><?xml version="1.0" encoding="utf-8"?>
+<file path=ppt/slides/slide5.xml><?xml version="1.0" encoding="utf-8"?>
 <p:sld xmlns:a="http://schemas.openxmlformats.org/drawingml/2006/main" xmlns:r="http://schemas.openxmlformats.org/officeDocument/2006/relationships" xmlns:p="http://schemas.openxmlformats.org/presentationml/2006/main">
   <p:cSld>
     <p:spTree>
@@ -24968,7 +25493,7 @@
 </p:sld>
 </file>
 
-<file path=ppt/slides/slide5.xml><?xml version="1.0" encoding="utf-8"?>
+<file path=ppt/slides/slide6.xml><?xml version="1.0" encoding="utf-8"?>
 <p:sld xmlns:a="http://schemas.openxmlformats.org/drawingml/2006/main" xmlns:r="http://schemas.openxmlformats.org/officeDocument/2006/relationships" xmlns:p="http://schemas.openxmlformats.org/presentationml/2006/main">
   <p:cSld>
     <p:spTree>
@@ -25120,7 +25645,7 @@
 </p:sld>
 </file>
 
-<file path=ppt/slides/slide6.xml><?xml version="1.0" encoding="utf-8"?>
+<file path=ppt/slides/slide7.xml><?xml version="1.0" encoding="utf-8"?>
 <p:sld xmlns:a="http://schemas.openxmlformats.org/drawingml/2006/main" xmlns:r="http://schemas.openxmlformats.org/officeDocument/2006/relationships" xmlns:p="http://schemas.openxmlformats.org/presentationml/2006/main">
   <p:cSld>
     <p:spTree>
@@ -25259,7 +25784,148 @@
 </p:sld>
 </file>
 
-<file path=ppt/slides/slide7.xml><?xml version="1.0" encoding="utf-8"?>
+<file path=ppt/slides/slide8.xml><?xml version="1.0" encoding="utf-8"?>
+<p:sld xmlns:a="http://schemas.openxmlformats.org/drawingml/2006/main" xmlns:r="http://schemas.openxmlformats.org/officeDocument/2006/relationships" xmlns:p="http://schemas.openxmlformats.org/presentationml/2006/main">
+  <p:cSld>
+    <p:spTree>
+      <p:nvGrpSpPr>
+        <p:cNvPr id="1" name=""/>
+        <p:cNvGrpSpPr/>
+        <p:nvPr/>
+      </p:nvGrpSpPr>
+      <p:grpSpPr>
+        <a:xfrm>
+          <a:off x="0" y="0"/>
+          <a:ext cx="0" cy="0"/>
+          <a:chOff x="0" y="0"/>
+          <a:chExt cx="0" cy="0"/>
+        </a:xfrm>
+      </p:grpSpPr>
+      <p:sp>
+        <p:nvSpPr>
+          <p:cNvPr id="2" name="Title 1">
+            <a:extLst>
+              <a:ext uri="{FF2B5EF4-FFF2-40B4-BE49-F238E27FC236}">
+                <a16:creationId xmlns:a16="http://schemas.microsoft.com/office/drawing/2014/main" id="{19AE5AE9-A4B9-4ADF-8B52-15A29A9F11A7}"/>
+              </a:ext>
+            </a:extLst>
+          </p:cNvPr>
+          <p:cNvSpPr>
+            <a:spLocks noGrp="1"/>
+          </p:cNvSpPr>
+          <p:nvPr>
+            <p:ph type="title"/>
+          </p:nvPr>
+        </p:nvSpPr>
+        <p:spPr/>
+        <p:txBody>
+          <a:bodyPr/>
+          <a:lstStyle/>
+          <a:p>
+            <a:r>
+              <a:rPr lang="en-US" dirty="0" err="1"/>
+              <a:t>Metrikos</a:t>
+            </a:r>
+            <a:endParaRPr lang="en-US" dirty="0"/>
+          </a:p>
+        </p:txBody>
+      </p:sp>
+      <p:sp>
+        <p:nvSpPr>
+          <p:cNvPr id="3" name="Content Placeholder 2">
+            <a:extLst>
+              <a:ext uri="{FF2B5EF4-FFF2-40B4-BE49-F238E27FC236}">
+                <a16:creationId xmlns:a16="http://schemas.microsoft.com/office/drawing/2014/main" id="{4F4CEF8F-2605-40FD-9932-9F4BC3916906}"/>
+              </a:ext>
+            </a:extLst>
+          </p:cNvPr>
+          <p:cNvSpPr>
+            <a:spLocks noGrp="1"/>
+          </p:cNvSpPr>
+          <p:nvPr>
+            <p:ph idx="1"/>
+          </p:nvPr>
+        </p:nvSpPr>
+        <p:spPr>
+          <a:xfrm>
+            <a:off x="1028281" y="2156460"/>
+            <a:ext cx="9985158" cy="3148965"/>
+          </a:xfrm>
+        </p:spPr>
+        <p:txBody>
+          <a:bodyPr>
+            <a:normAutofit/>
+          </a:bodyPr>
+          <a:lstStyle/>
+          <a:p>
+            <a:pPr marL="685800" indent="-457200">
+              <a:buFont typeface="Arial" panose="020B0604020202020204" pitchFamily="34" charset="0"/>
+              <a:buChar char="•"/>
+            </a:pPr>
+            <a:r>
+              <a:rPr lang="lt-LT" sz="2800" dirty="0"/>
+              <a:t>Šiame darbe buvo naudojama tikslumo metrikos, kuri yra naudojama </a:t>
+            </a:r>
+            <a:r>
+              <a:rPr lang="lt-LT" sz="2800" dirty="0" err="1"/>
+              <a:t>dvejatainių</a:t>
+            </a:r>
+            <a:r>
+              <a:rPr lang="lt-LT" sz="2800" dirty="0"/>
+              <a:t> klasifikatorių vertinime</a:t>
+            </a:r>
+            <a:r>
+              <a:rPr lang="en-US" sz="2800"/>
+              <a:t>.</a:t>
+            </a:r>
+            <a:endParaRPr lang="en-US" sz="2800" dirty="0"/>
+          </a:p>
+        </p:txBody>
+      </p:sp>
+      <p:pic>
+        <p:nvPicPr>
+          <p:cNvPr id="4" name="Picture 3">
+            <a:extLst>
+              <a:ext uri="{FF2B5EF4-FFF2-40B4-BE49-F238E27FC236}">
+                <a16:creationId xmlns:a16="http://schemas.microsoft.com/office/drawing/2014/main" id="{90E97747-88AF-4BD6-9135-8CEE96E1BF81}"/>
+              </a:ext>
+            </a:extLst>
+          </p:cNvPr>
+          <p:cNvPicPr>
+            <a:picLocks noChangeAspect="1"/>
+          </p:cNvPicPr>
+          <p:nvPr/>
+        </p:nvPicPr>
+        <p:blipFill>
+          <a:blip r:embed="rId2"/>
+          <a:stretch>
+            <a:fillRect/>
+          </a:stretch>
+        </p:blipFill>
+        <p:spPr>
+          <a:xfrm>
+            <a:off x="1833563" y="3429000"/>
+            <a:ext cx="6862078" cy="1290673"/>
+          </a:xfrm>
+          <a:prstGeom prst="rect">
+            <a:avLst/>
+          </a:prstGeom>
+        </p:spPr>
+      </p:pic>
+    </p:spTree>
+    <p:extLst>
+      <p:ext uri="{BB962C8B-B14F-4D97-AF65-F5344CB8AC3E}">
+        <p14:creationId xmlns:p14="http://schemas.microsoft.com/office/powerpoint/2010/main" val="3627905692"/>
+      </p:ext>
+    </p:extLst>
+  </p:cSld>
+  <p:clrMapOvr>
+    <a:masterClrMapping/>
+  </p:clrMapOvr>
+</p:sld>
+</file>
+
+<file path=ppt/slides/slide9.xml><?xml version="1.0" encoding="utf-8"?>
 <p:sld xmlns:a="http://schemas.openxmlformats.org/drawingml/2006/main" xmlns:r="http://schemas.openxmlformats.org/officeDocument/2006/relationships" xmlns:p="http://schemas.openxmlformats.org/presentationml/2006/main">
   <p:cSld>
     <p:spTree>
@@ -25409,402 +26075,6 @@
     <p:extLst>
       <p:ext uri="{BB962C8B-B14F-4D97-AF65-F5344CB8AC3E}">
         <p14:creationId xmlns:p14="http://schemas.microsoft.com/office/powerpoint/2010/main" val="498804042"/>
-      </p:ext>
-    </p:extLst>
-  </p:cSld>
-  <p:clrMapOvr>
-    <a:masterClrMapping/>
-  </p:clrMapOvr>
-</p:sld>
-</file>
-
-<file path=ppt/slides/slide8.xml><?xml version="1.0" encoding="utf-8"?>
-<p:sld xmlns:a="http://schemas.openxmlformats.org/drawingml/2006/main" xmlns:r="http://schemas.openxmlformats.org/officeDocument/2006/relationships" xmlns:p="http://schemas.openxmlformats.org/presentationml/2006/main">
-  <p:cSld>
-    <p:spTree>
-      <p:nvGrpSpPr>
-        <p:cNvPr id="1" name=""/>
-        <p:cNvGrpSpPr/>
-        <p:nvPr/>
-      </p:nvGrpSpPr>
-      <p:grpSpPr>
-        <a:xfrm>
-          <a:off x="0" y="0"/>
-          <a:ext cx="0" cy="0"/>
-          <a:chOff x="0" y="0"/>
-          <a:chExt cx="0" cy="0"/>
-        </a:xfrm>
-      </p:grpSpPr>
-      <p:sp>
-        <p:nvSpPr>
-          <p:cNvPr id="2" name="Title 1">
-            <a:extLst>
-              <a:ext uri="{FF2B5EF4-FFF2-40B4-BE49-F238E27FC236}">
-                <a16:creationId xmlns:a16="http://schemas.microsoft.com/office/drawing/2014/main" id="{F635F4BB-CB72-4415-AA37-890A9BDA9488}"/>
-              </a:ext>
-            </a:extLst>
-          </p:cNvPr>
-          <p:cNvSpPr>
-            <a:spLocks noGrp="1"/>
-          </p:cNvSpPr>
-          <p:nvPr>
-            <p:ph type="title"/>
-          </p:nvPr>
-        </p:nvSpPr>
-        <p:spPr/>
-        <p:txBody>
-          <a:bodyPr/>
-          <a:lstStyle/>
-          <a:p>
-            <a:r>
-              <a:rPr lang="lt-LT" dirty="0"/>
-              <a:t>Žmonių siluetų atpažinimas</a:t>
-            </a:r>
-            <a:endParaRPr lang="en-US" dirty="0"/>
-          </a:p>
-        </p:txBody>
-      </p:sp>
-      <p:sp>
-        <p:nvSpPr>
-          <p:cNvPr id="3" name="Text Placeholder 2">
-            <a:extLst>
-              <a:ext uri="{FF2B5EF4-FFF2-40B4-BE49-F238E27FC236}">
-                <a16:creationId xmlns:a16="http://schemas.microsoft.com/office/drawing/2014/main" id="{5C34A6FC-3127-41D7-950A-95CC78C28B0E}"/>
-              </a:ext>
-            </a:extLst>
-          </p:cNvPr>
-          <p:cNvSpPr>
-            <a:spLocks noGrp="1"/>
-          </p:cNvSpPr>
-          <p:nvPr>
-            <p:ph type="body" idx="1"/>
-          </p:nvPr>
-        </p:nvSpPr>
-        <p:spPr>
-          <a:xfrm>
-            <a:off x="839788" y="2011489"/>
-            <a:ext cx="5157787" cy="823912"/>
-          </a:xfrm>
-        </p:spPr>
-        <p:txBody>
-          <a:bodyPr>
-            <a:noAutofit/>
-          </a:bodyPr>
-          <a:lstStyle/>
-          <a:p>
-            <a:pPr marL="342900" indent="-342900">
-              <a:buFont typeface="Arial" panose="020B0604020202020204" pitchFamily="34" charset="0"/>
-              <a:buChar char="•"/>
-            </a:pPr>
-            <a:r>
-              <a:rPr lang="lt-LT" dirty="0"/>
-              <a:t>Pavyzdinės įvestys su kuriomis modelis prognozavo neteisingai.</a:t>
-            </a:r>
-            <a:endParaRPr lang="en-US" dirty="0"/>
-          </a:p>
-        </p:txBody>
-      </p:sp>
-      <p:pic>
-        <p:nvPicPr>
-          <p:cNvPr id="8" name="Content Placeholder 7">
-            <a:extLst>
-              <a:ext uri="{FF2B5EF4-FFF2-40B4-BE49-F238E27FC236}">
-                <a16:creationId xmlns:a16="http://schemas.microsoft.com/office/drawing/2014/main" id="{F7E8B37C-196F-4951-B97E-C95624AF2CFB}"/>
-              </a:ext>
-            </a:extLst>
-          </p:cNvPr>
-          <p:cNvPicPr>
-            <a:picLocks noGrp="1" noChangeAspect="1"/>
-          </p:cNvPicPr>
-          <p:nvPr>
-            <p:ph sz="half" idx="2"/>
-          </p:nvPr>
-        </p:nvPicPr>
-        <p:blipFill>
-          <a:blip r:embed="rId2">
-            <a:extLst>
-              <a:ext uri="{28A0092B-C50C-407E-A947-70E740481C1C}">
-                <a14:useLocalDpi xmlns:a14="http://schemas.microsoft.com/office/drawing/2010/main" val="0"/>
-              </a:ext>
-            </a:extLst>
-          </a:blip>
-          <a:stretch>
-            <a:fillRect/>
-          </a:stretch>
-        </p:blipFill>
-        <p:spPr>
-          <a:xfrm>
-            <a:off x="8332643" y="3289911"/>
-            <a:ext cx="707597" cy="1886925"/>
-          </a:xfrm>
-        </p:spPr>
-      </p:pic>
-      <p:sp>
-        <p:nvSpPr>
-          <p:cNvPr id="5" name="Text Placeholder 4">
-            <a:extLst>
-              <a:ext uri="{FF2B5EF4-FFF2-40B4-BE49-F238E27FC236}">
-                <a16:creationId xmlns:a16="http://schemas.microsoft.com/office/drawing/2014/main" id="{4718FA64-AC18-4FD0-8CBE-2BA140125D66}"/>
-              </a:ext>
-            </a:extLst>
-          </p:cNvPr>
-          <p:cNvSpPr>
-            <a:spLocks noGrp="1"/>
-          </p:cNvSpPr>
-          <p:nvPr>
-            <p:ph type="body" sz="quarter" idx="3"/>
-          </p:nvPr>
-        </p:nvSpPr>
-        <p:spPr>
-          <a:xfrm>
-            <a:off x="5997575" y="2011489"/>
-            <a:ext cx="5937250" cy="823912"/>
-          </a:xfrm>
-        </p:spPr>
-        <p:txBody>
-          <a:bodyPr>
-            <a:noAutofit/>
-          </a:bodyPr>
-          <a:lstStyle/>
-          <a:p>
-            <a:pPr marL="342900" indent="-342900">
-              <a:buFont typeface="Arial" panose="020B0604020202020204" pitchFamily="34" charset="0"/>
-              <a:buChar char="•"/>
-            </a:pPr>
-            <a:r>
-              <a:rPr lang="lt-LT" dirty="0"/>
-              <a:t>Pavyzdinė įvestis su kuria modelis prognozavo teisingus palyginimo rezultatus.</a:t>
-            </a:r>
-            <a:endParaRPr lang="en-US" dirty="0"/>
-          </a:p>
-        </p:txBody>
-      </p:sp>
-      <p:pic>
-        <p:nvPicPr>
-          <p:cNvPr id="10" name="Content Placeholder 9">
-            <a:extLst>
-              <a:ext uri="{FF2B5EF4-FFF2-40B4-BE49-F238E27FC236}">
-                <a16:creationId xmlns:a16="http://schemas.microsoft.com/office/drawing/2014/main" id="{01417455-97A1-4C00-9916-EE5FCD98111A}"/>
-              </a:ext>
-            </a:extLst>
-          </p:cNvPr>
-          <p:cNvPicPr>
-            <a:picLocks noGrp="1" noChangeAspect="1"/>
-          </p:cNvPicPr>
-          <p:nvPr>
-            <p:ph sz="quarter" idx="4"/>
-          </p:nvPr>
-        </p:nvPicPr>
-        <p:blipFill>
-          <a:blip r:embed="rId3">
-            <a:extLst>
-              <a:ext uri="{28A0092B-C50C-407E-A947-70E740481C1C}">
-                <a14:useLocalDpi xmlns:a14="http://schemas.microsoft.com/office/drawing/2010/main" val="0"/>
-              </a:ext>
-            </a:extLst>
-          </a:blip>
-          <a:stretch>
-            <a:fillRect/>
-          </a:stretch>
-        </p:blipFill>
-        <p:spPr>
-          <a:xfrm>
-            <a:off x="9214195" y="3289913"/>
-            <a:ext cx="707597" cy="1886923"/>
-          </a:xfrm>
-        </p:spPr>
-      </p:pic>
-      <p:pic>
-        <p:nvPicPr>
-          <p:cNvPr id="12" name="Picture 11">
-            <a:extLst>
-              <a:ext uri="{FF2B5EF4-FFF2-40B4-BE49-F238E27FC236}">
-                <a16:creationId xmlns:a16="http://schemas.microsoft.com/office/drawing/2014/main" id="{DA9131C2-5396-4E3F-B4D5-62DCD7EC9AC6}"/>
-              </a:ext>
-            </a:extLst>
-          </p:cNvPr>
-          <p:cNvPicPr>
-            <a:picLocks noChangeAspect="1"/>
-          </p:cNvPicPr>
-          <p:nvPr/>
-        </p:nvPicPr>
-        <p:blipFill>
-          <a:blip r:embed="rId4">
-            <a:extLst>
-              <a:ext uri="{28A0092B-C50C-407E-A947-70E740481C1C}">
-                <a14:useLocalDpi xmlns:a14="http://schemas.microsoft.com/office/drawing/2010/main" val="0"/>
-              </a:ext>
-            </a:extLst>
-          </a:blip>
-          <a:stretch>
-            <a:fillRect/>
-          </a:stretch>
-        </p:blipFill>
-        <p:spPr>
-          <a:xfrm>
-            <a:off x="1409000" y="3289912"/>
-            <a:ext cx="3587486" cy="1886925"/>
-          </a:xfrm>
-          <a:prstGeom prst="rect">
-            <a:avLst/>
-          </a:prstGeom>
-        </p:spPr>
-      </p:pic>
-    </p:spTree>
-    <p:extLst>
-      <p:ext uri="{BB962C8B-B14F-4D97-AF65-F5344CB8AC3E}">
-        <p14:creationId xmlns:p14="http://schemas.microsoft.com/office/powerpoint/2010/main" val="1113990074"/>
-      </p:ext>
-    </p:extLst>
-  </p:cSld>
-  <p:clrMapOvr>
-    <a:masterClrMapping/>
-  </p:clrMapOvr>
-</p:sld>
-</file>
-
-<file path=ppt/slides/slide9.xml><?xml version="1.0" encoding="utf-8"?>
-<p:sld xmlns:a="http://schemas.openxmlformats.org/drawingml/2006/main" xmlns:r="http://schemas.openxmlformats.org/officeDocument/2006/relationships" xmlns:p="http://schemas.openxmlformats.org/presentationml/2006/main">
-  <p:cSld>
-    <p:spTree>
-      <p:nvGrpSpPr>
-        <p:cNvPr id="1" name=""/>
-        <p:cNvGrpSpPr/>
-        <p:nvPr/>
-      </p:nvGrpSpPr>
-      <p:grpSpPr>
-        <a:xfrm>
-          <a:off x="0" y="0"/>
-          <a:ext cx="0" cy="0"/>
-          <a:chOff x="0" y="0"/>
-          <a:chExt cx="0" cy="0"/>
-        </a:xfrm>
-      </p:grpSpPr>
-      <p:sp>
-        <p:nvSpPr>
-          <p:cNvPr id="2" name="Title 1">
-            <a:extLst>
-              <a:ext uri="{FF2B5EF4-FFF2-40B4-BE49-F238E27FC236}">
-                <a16:creationId xmlns:a16="http://schemas.microsoft.com/office/drawing/2014/main" id="{89C4E048-6A3C-408B-9C50-26BF09A962C4}"/>
-              </a:ext>
-            </a:extLst>
-          </p:cNvPr>
-          <p:cNvSpPr>
-            <a:spLocks noGrp="1"/>
-          </p:cNvSpPr>
-          <p:nvPr>
-            <p:ph type="title"/>
-          </p:nvPr>
-        </p:nvSpPr>
-        <p:spPr/>
-        <p:txBody>
-          <a:bodyPr/>
-          <a:lstStyle/>
-          <a:p>
-            <a:r>
-              <a:rPr lang="lt-LT" dirty="0"/>
-              <a:t>Palyginimo rezultatai</a:t>
-            </a:r>
-            <a:endParaRPr lang="en-US" dirty="0"/>
-          </a:p>
-        </p:txBody>
-      </p:sp>
-      <p:sp>
-        <p:nvSpPr>
-          <p:cNvPr id="3" name="Content Placeholder 2">
-            <a:extLst>
-              <a:ext uri="{FF2B5EF4-FFF2-40B4-BE49-F238E27FC236}">
-                <a16:creationId xmlns:a16="http://schemas.microsoft.com/office/drawing/2014/main" id="{5AC423E3-5A74-4336-BCDF-F0E8EAAA23A5}"/>
-              </a:ext>
-            </a:extLst>
-          </p:cNvPr>
-          <p:cNvSpPr>
-            <a:spLocks noGrp="1"/>
-          </p:cNvSpPr>
-          <p:nvPr>
-            <p:ph idx="1"/>
-          </p:nvPr>
-        </p:nvSpPr>
-        <p:spPr>
-          <a:xfrm>
-            <a:off x="1178560" y="2061210"/>
-            <a:ext cx="9946639" cy="3148965"/>
-          </a:xfrm>
-        </p:spPr>
-        <p:txBody>
-          <a:bodyPr/>
-          <a:lstStyle/>
-          <a:p>
-            <a:pPr marL="571500" indent="-342900">
-              <a:buFont typeface="Arial" panose="020B0604020202020204" pitchFamily="34" charset="0"/>
-              <a:buChar char="•"/>
-            </a:pPr>
-            <a:r>
-              <a:rPr lang="lt-LT" sz="3400" dirty="0"/>
-              <a:t>Pasirinktas modelis demonstravo 85.7</a:t>
-            </a:r>
-            <a:r>
-              <a:rPr lang="en-US" sz="3400" dirty="0"/>
-              <a:t>% </a:t>
-            </a:r>
-            <a:r>
-              <a:rPr lang="en-US" sz="3400" dirty="0" err="1"/>
-              <a:t>atpa</a:t>
-            </a:r>
-            <a:r>
-              <a:rPr lang="lt-LT" sz="3400" dirty="0"/>
-              <a:t>žinimo tikslumo su duomenų rinkiniu – CUHK01.</a:t>
-            </a:r>
-          </a:p>
-          <a:p>
-            <a:pPr marL="571500" indent="-342900">
-              <a:buFont typeface="Arial" panose="020B0604020202020204" pitchFamily="34" charset="0"/>
-              <a:buChar char="•"/>
-            </a:pPr>
-            <a:r>
-              <a:rPr lang="lt-LT" sz="3400" dirty="0"/>
-              <a:t>Rezultatai naudojant kitus tinklų modelius.</a:t>
-            </a:r>
-          </a:p>
-          <a:p>
-            <a:endParaRPr lang="en-US" dirty="0"/>
-          </a:p>
-        </p:txBody>
-      </p:sp>
-      <p:pic>
-        <p:nvPicPr>
-          <p:cNvPr id="5" name="Picture 4">
-            <a:extLst>
-              <a:ext uri="{FF2B5EF4-FFF2-40B4-BE49-F238E27FC236}">
-                <a16:creationId xmlns:a16="http://schemas.microsoft.com/office/drawing/2014/main" id="{DDD46098-AEF4-4351-98AD-73955263EC33}"/>
-              </a:ext>
-            </a:extLst>
-          </p:cNvPr>
-          <p:cNvPicPr>
-            <a:picLocks noChangeAspect="1"/>
-          </p:cNvPicPr>
-          <p:nvPr/>
-        </p:nvPicPr>
-        <p:blipFill>
-          <a:blip r:embed="rId2"/>
-          <a:stretch>
-            <a:fillRect/>
-          </a:stretch>
-        </p:blipFill>
-        <p:spPr>
-          <a:xfrm>
-            <a:off x="6262320" y="4391880"/>
-            <a:ext cx="3856203" cy="2048608"/>
-          </a:xfrm>
-          <a:prstGeom prst="rect">
-            <a:avLst/>
-          </a:prstGeom>
-        </p:spPr>
-      </p:pic>
-    </p:spTree>
-    <p:extLst>
-      <p:ext uri="{BB962C8B-B14F-4D97-AF65-F5344CB8AC3E}">
-        <p14:creationId xmlns:p14="http://schemas.microsoft.com/office/powerpoint/2010/main" val="2358960184"/>
       </p:ext>
     </p:extLst>
   </p:cSld>

--- a/Presentation/Detalus vaizdų panašumas naudojant trejetų tinklus.pptx
+++ b/Presentation/Detalus vaizdų panašumas naudojant trejetų tinklus.pptx
@@ -7582,7 +7582,7 @@
           <a:p>
             <a:fld id="{062DAAF0-37C3-4118-BE27-226A6950D354}" type="datetimeFigureOut">
               <a:rPr lang="en-US" smtClean="0"/>
-              <a:t>2/17/2020</a:t>
+              <a:t>2/18/2020</a:t>
             </a:fld>
             <a:endParaRPr lang="en-US"/>
           </a:p>
@@ -7780,7 +7780,7 @@
           <a:p>
             <a:fld id="{062DAAF0-37C3-4118-BE27-226A6950D354}" type="datetimeFigureOut">
               <a:rPr lang="en-US" smtClean="0"/>
-              <a:t>2/17/2020</a:t>
+              <a:t>2/18/2020</a:t>
             </a:fld>
             <a:endParaRPr lang="en-US"/>
           </a:p>
@@ -8192,7 +8192,7 @@
           <a:p>
             <a:fld id="{062DAAF0-37C3-4118-BE27-226A6950D354}" type="datetimeFigureOut">
               <a:rPr lang="en-US" smtClean="0"/>
-              <a:t>2/17/2020</a:t>
+              <a:t>2/18/2020</a:t>
             </a:fld>
             <a:endParaRPr lang="en-US"/>
           </a:p>
@@ -24701,7 +24701,7 @@
             </a:r>
             <a:r>
               <a:rPr lang="lt-LT" sz="3400" dirty="0"/>
-              <a:t>žinimo tikslumo su duomenų rinkiniu – CUHK01.</a:t>
+              <a:t>žinimo tikslumą su duomenų rinkiniu – CUHK01.</a:t>
             </a:r>
           </a:p>
           <a:p>
@@ -24842,7 +24842,7 @@
             </a:pPr>
             <a:r>
               <a:rPr lang="lt-LT" sz="2800" dirty="0"/>
-              <a:t>Pasirinktas trejetų tinklų modelis parodė neblogus rezultatus identifikuojant žmonių eisenos kadrus. 85.7</a:t>
+              <a:t>Pasirinktas trejetų tinklų modelis parodė neblogus rezultatus identifikuojant žmonių eisenos kadrus. Užfiksuotas 85.7</a:t>
             </a:r>
             <a:r>
               <a:rPr lang="en-US" sz="2800" dirty="0"/>
@@ -25226,9 +25226,36 @@
             </a:pPr>
             <a:r>
               <a:rPr lang="lt-LT" sz="2800" dirty="0"/>
-              <a:t>Šio darbo tikslas yra pasiūlyti pasirinktą trejetų tinklų modelį, kuris sugebėtų atpažinti žmonių siluetus, ir išskiriant metrikas, palyginti su kitais rinkoje esančiais neuroninių tinklų modeliais.</a:t>
+              <a:t>Šio darbo tikslas yra pasiūlyti pasirinktą trejetų tinklų modelį, kuris sugebėtų atpažinti žmonių siluetus, ir išskiriant metrikas, palyginti su kitais rinkoje esančiais neuroninių tinklų modeliais</a:t>
             </a:r>
-            <a:endParaRPr lang="en-US" sz="2800" dirty="0"/>
+            <a:r>
+              <a:rPr lang="en-US" sz="2800" dirty="0"/>
+              <a:t>. </a:t>
+            </a:r>
+            <a:r>
+              <a:rPr lang="en-US" sz="2800" dirty="0" err="1"/>
+              <a:t>Paanalizuoti</a:t>
+            </a:r>
+            <a:r>
+              <a:rPr lang="en-US" sz="2800" dirty="0"/>
+              <a:t> </a:t>
+            </a:r>
+            <a:r>
+              <a:rPr lang="en-US" sz="2800" dirty="0" err="1"/>
+              <a:t>gautus</a:t>
+            </a:r>
+            <a:r>
+              <a:rPr lang="en-US" sz="2800" dirty="0"/>
+              <a:t> </a:t>
+            </a:r>
+            <a:r>
+              <a:rPr lang="en-US" sz="2800" dirty="0" err="1"/>
+              <a:t>rezultatus</a:t>
+            </a:r>
+            <a:r>
+              <a:rPr lang="en-US" sz="2800" dirty="0"/>
+              <a:t>.</a:t>
+            </a:r>
           </a:p>
         </p:txBody>
       </p:sp>
@@ -25864,7 +25891,19 @@
             </a:pPr>
             <a:r>
               <a:rPr lang="lt-LT" sz="2800" dirty="0"/>
-              <a:t>Šiame darbe buvo naudojama tikslumo metrikos, kuri yra naudojama </a:t>
+              <a:t>Šiame darbe buvo naudojama tikslumo </a:t>
+            </a:r>
+            <a:r>
+              <a:rPr lang="lt-LT" sz="2800" dirty="0" err="1"/>
+              <a:t>metrik</a:t>
+            </a:r>
+            <a:r>
+              <a:rPr lang="en-US" sz="2800" dirty="0"/>
+              <a:t>a</a:t>
+            </a:r>
+            <a:r>
+              <a:rPr lang="lt-LT" sz="2800" dirty="0"/>
+              <a:t>, kuri yra naudojama </a:t>
             </a:r>
             <a:r>
               <a:rPr lang="lt-LT" sz="2800" dirty="0" err="1"/>
@@ -25875,19 +25914,18 @@
               <a:t> klasifikatorių vertinime</a:t>
             </a:r>
             <a:r>
-              <a:rPr lang="en-US" sz="2800"/>
+              <a:rPr lang="en-US" sz="2800" dirty="0"/>
               <a:t>.</a:t>
             </a:r>
-            <a:endParaRPr lang="en-US" sz="2800" dirty="0"/>
           </a:p>
         </p:txBody>
       </p:sp>
       <p:pic>
         <p:nvPicPr>
-          <p:cNvPr id="4" name="Picture 3">
+          <p:cNvPr id="5" name="Picture 4">
             <a:extLst>
               <a:ext uri="{FF2B5EF4-FFF2-40B4-BE49-F238E27FC236}">
-                <a16:creationId xmlns:a16="http://schemas.microsoft.com/office/drawing/2014/main" id="{90E97747-88AF-4BD6-9135-8CEE96E1BF81}"/>
+                <a16:creationId xmlns:a16="http://schemas.microsoft.com/office/drawing/2014/main" id="{794038D1-1C84-4318-93D5-3E2F05BB6755}"/>
               </a:ext>
             </a:extLst>
           </p:cNvPr>
@@ -25904,8 +25942,8 @@
         </p:blipFill>
         <p:spPr>
           <a:xfrm>
-            <a:off x="1833563" y="3429000"/>
-            <a:ext cx="6862078" cy="1290673"/>
+            <a:off x="1734282" y="3609975"/>
+            <a:ext cx="5973201" cy="1695450"/>
           </a:xfrm>
           <a:prstGeom prst="rect">
             <a:avLst/>
@@ -26057,7 +26095,7 @@
             </a:r>
             <a:r>
               <a:rPr lang="lt-LT" sz="2800" dirty="0"/>
-              <a:t> karkasą, pačio modelio kodo bazė – </a:t>
+              <a:t> karkasą, modelio kodo bazė – </a:t>
             </a:r>
             <a:r>
               <a:rPr lang="lt-LT" sz="2800" dirty="0" err="1"/>

--- a/Presentation/Detalus vaizdų panašumas naudojant trejetų tinklus.pptx
+++ b/Presentation/Detalus vaizdų panašumas naudojant trejetų tinklus.pptx
@@ -25229,33 +25229,10 @@
               <a:t>Šio darbo tikslas yra pasiūlyti pasirinktą trejetų tinklų modelį, kuris sugebėtų atpažinti žmonių siluetus, ir išskiriant metrikas, palyginti su kitais rinkoje esančiais neuroninių tinklų modeliais</a:t>
             </a:r>
             <a:r>
-              <a:rPr lang="en-US" sz="2800" dirty="0"/>
-              <a:t>. </a:t>
-            </a:r>
-            <a:r>
-              <a:rPr lang="en-US" sz="2800" dirty="0" err="1"/>
-              <a:t>Paanalizuoti</a:t>
-            </a:r>
-            <a:r>
-              <a:rPr lang="en-US" sz="2800" dirty="0"/>
-              <a:t> </a:t>
-            </a:r>
-            <a:r>
-              <a:rPr lang="en-US" sz="2800" dirty="0" err="1"/>
-              <a:t>gautus</a:t>
-            </a:r>
-            <a:r>
-              <a:rPr lang="en-US" sz="2800" dirty="0"/>
-              <a:t> </a:t>
-            </a:r>
-            <a:r>
-              <a:rPr lang="en-US" sz="2800" dirty="0" err="1"/>
-              <a:t>rezultatus</a:t>
-            </a:r>
-            <a:r>
-              <a:rPr lang="en-US" sz="2800" dirty="0"/>
+              <a:rPr lang="en-US" sz="2800"/>
               <a:t>.</a:t>
             </a:r>
+            <a:endParaRPr lang="en-US" sz="2800" dirty="0"/>
           </a:p>
         </p:txBody>
       </p:sp>
@@ -25493,6 +25470,11 @@
               <a:rPr lang="lt-LT" sz="3400" dirty="0"/>
               <a:t>Vaizdų radimui, pasitelkiant paieškos sistemas</a:t>
             </a:r>
+            <a:r>
+              <a:rPr lang="en-US" sz="3400" dirty="0"/>
+              <a:t>.</a:t>
+            </a:r>
+            <a:endParaRPr lang="lt-LT" sz="3400" dirty="0"/>
           </a:p>
           <a:p>
             <a:pPr marL="685800" indent="-457200">
@@ -25764,7 +25746,10 @@
               <a:rPr lang="lt-LT" sz="3400" dirty="0"/>
               <a:t>Jeigu prognozė neteisinga – grąžinama didesnė reikšmė</a:t>
             </a:r>
-            <a:endParaRPr lang="en-US" sz="3400" dirty="0"/>
+            <a:r>
+              <a:rPr lang="en-US" sz="3400" dirty="0"/>
+              <a:t>.</a:t>
+            </a:r>
           </a:p>
         </p:txBody>
       </p:sp>
